--- a/resources/Presentation-Slide/Presentationb.pptx
+++ b/resources/Presentation-Slide/Presentationb.pptx
@@ -6,6 +6,9 @@
   </p:sldMasterIdLst>
   <p:sldIdLst>
     <p:sldId id="256" r:id="rId2"/>
+    <p:sldId id="257" r:id="rId3"/>
+    <p:sldId id="258" r:id="rId4"/>
+    <p:sldId id="259" r:id="rId5"/>
   </p:sldIdLst>
   <p:sldSz cx="12192000" cy="6858000"/>
   <p:notesSz cx="6858000" cy="9144000"/>
@@ -105,10 +108,6 @@
     </a:lvl9pPr>
   </p:defaultTextStyle>
 </p:presentation>
-</file>
-
-<file path=ppt/revisionInfo.xml><?xml version="1.0" encoding="utf-8"?>
-<p1510:revInfo xmlns:a="http://schemas.openxmlformats.org/drawingml/2006/main" xmlns:r="http://schemas.openxmlformats.org/officeDocument/2006/relationships" xmlns:p1510="http://schemas.microsoft.com/office/powerpoint/2015/10/main"/>
 </file>
 
 <file path=ppt/slideLayouts/slideLayout1.xml><?xml version="1.0" encoding="utf-8"?>
@@ -13774,7 +13773,11 @@
           <a:bodyPr/>
           <a:lstStyle/>
           <a:p>
-            <a:endParaRPr lang="en-US"/>
+            <a:r>
+              <a:rPr lang="da-DK" dirty="0"/>
+              <a:t>CQRS</a:t>
+            </a:r>
+            <a:endParaRPr lang="en-US" dirty="0"/>
           </a:p>
         </p:txBody>
       </p:sp>
@@ -13799,7 +13802,11 @@
           <a:bodyPr/>
           <a:lstStyle/>
           <a:p>
-            <a:endParaRPr lang="en-US"/>
+            <a:r>
+              <a:rPr lang="da-DK" dirty="0"/>
+              <a:t>Gruppe 38</a:t>
+            </a:r>
+            <a:endParaRPr lang="en-US" dirty="0"/>
           </a:p>
         </p:txBody>
       </p:sp>
@@ -13807,6 +13814,323 @@
     <p:extLst>
       <p:ext uri="{BB962C8B-B14F-4D97-AF65-F5344CB8AC3E}">
         <p14:creationId xmlns:p14="http://schemas.microsoft.com/office/powerpoint/2010/main" val="2107180243"/>
+      </p:ext>
+    </p:extLst>
+  </p:cSld>
+  <p:clrMapOvr>
+    <a:masterClrMapping/>
+  </p:clrMapOvr>
+</p:sld>
+</file>
+
+<file path=ppt/slides/slide2.xml><?xml version="1.0" encoding="utf-8"?>
+<p:sld xmlns:a="http://schemas.openxmlformats.org/drawingml/2006/main" xmlns:r="http://schemas.openxmlformats.org/officeDocument/2006/relationships" xmlns:p="http://schemas.openxmlformats.org/presentationml/2006/main">
+  <p:cSld>
+    <p:spTree>
+      <p:nvGrpSpPr>
+        <p:cNvPr id="1" name=""/>
+        <p:cNvGrpSpPr/>
+        <p:nvPr/>
+      </p:nvGrpSpPr>
+      <p:grpSpPr>
+        <a:xfrm>
+          <a:off x="0" y="0"/>
+          <a:ext cx="0" cy="0"/>
+          <a:chOff x="0" y="0"/>
+          <a:chExt cx="0" cy="0"/>
+        </a:xfrm>
+      </p:grpSpPr>
+      <p:sp>
+        <p:nvSpPr>
+          <p:cNvPr id="4" name="Title 3">
+            <a:extLst>
+              <a:ext uri="{FF2B5EF4-FFF2-40B4-BE49-F238E27FC236}">
+                <a16:creationId xmlns:a16="http://schemas.microsoft.com/office/drawing/2014/main" id="{137CB976-60E9-43BA-8FAE-5860C1D2C9AA}"/>
+              </a:ext>
+            </a:extLst>
+          </p:cNvPr>
+          <p:cNvSpPr>
+            <a:spLocks noGrp="1"/>
+          </p:cNvSpPr>
+          <p:nvPr>
+            <p:ph type="ctrTitle"/>
+          </p:nvPr>
+        </p:nvSpPr>
+        <p:spPr/>
+        <p:txBody>
+          <a:bodyPr/>
+          <a:lstStyle/>
+          <a:p>
+            <a:r>
+              <a:rPr lang="da-DK" dirty="0"/>
+              <a:t>Hvad er CQRS?</a:t>
+            </a:r>
+            <a:endParaRPr lang="en-US" dirty="0"/>
+          </a:p>
+        </p:txBody>
+      </p:sp>
+      <p:sp>
+        <p:nvSpPr>
+          <p:cNvPr id="5" name="Subtitle 4">
+            <a:extLst>
+              <a:ext uri="{FF2B5EF4-FFF2-40B4-BE49-F238E27FC236}">
+                <a16:creationId xmlns:a16="http://schemas.microsoft.com/office/drawing/2014/main" id="{F9C0CB20-CBC4-4964-B9D0-BC8819F26BE3}"/>
+              </a:ext>
+            </a:extLst>
+          </p:cNvPr>
+          <p:cNvSpPr>
+            <a:spLocks noGrp="1"/>
+          </p:cNvSpPr>
+          <p:nvPr>
+            <p:ph type="subTitle" idx="1"/>
+          </p:nvPr>
+        </p:nvSpPr>
+        <p:spPr/>
+        <p:txBody>
+          <a:bodyPr/>
+          <a:lstStyle/>
+          <a:p>
+            <a:endParaRPr lang="en-US" dirty="0"/>
+          </a:p>
+        </p:txBody>
+      </p:sp>
+    </p:spTree>
+    <p:extLst>
+      <p:ext uri="{BB962C8B-B14F-4D97-AF65-F5344CB8AC3E}">
+        <p14:creationId xmlns:p14="http://schemas.microsoft.com/office/powerpoint/2010/main" val="2582541284"/>
+      </p:ext>
+    </p:extLst>
+  </p:cSld>
+  <p:clrMapOvr>
+    <a:masterClrMapping/>
+  </p:clrMapOvr>
+</p:sld>
+</file>
+
+<file path=ppt/slides/slide3.xml><?xml version="1.0" encoding="utf-8"?>
+<p:sld xmlns:a="http://schemas.openxmlformats.org/drawingml/2006/main" xmlns:r="http://schemas.openxmlformats.org/officeDocument/2006/relationships" xmlns:p="http://schemas.openxmlformats.org/presentationml/2006/main">
+  <p:cSld>
+    <p:spTree>
+      <p:nvGrpSpPr>
+        <p:cNvPr id="1" name=""/>
+        <p:cNvGrpSpPr/>
+        <p:nvPr/>
+      </p:nvGrpSpPr>
+      <p:grpSpPr>
+        <a:xfrm>
+          <a:off x="0" y="0"/>
+          <a:ext cx="0" cy="0"/>
+          <a:chOff x="0" y="0"/>
+          <a:chExt cx="0" cy="0"/>
+        </a:xfrm>
+      </p:grpSpPr>
+      <p:sp>
+        <p:nvSpPr>
+          <p:cNvPr id="2" name="Title 1">
+            <a:extLst>
+              <a:ext uri="{FF2B5EF4-FFF2-40B4-BE49-F238E27FC236}">
+                <a16:creationId xmlns:a16="http://schemas.microsoft.com/office/drawing/2014/main" id="{29D52EDD-CAF3-4976-A516-E1B7B902451B}"/>
+              </a:ext>
+            </a:extLst>
+          </p:cNvPr>
+          <p:cNvSpPr>
+            <a:spLocks noGrp="1"/>
+          </p:cNvSpPr>
+          <p:nvPr>
+            <p:ph type="title"/>
+          </p:nvPr>
+        </p:nvSpPr>
+        <p:spPr/>
+        <p:txBody>
+          <a:bodyPr/>
+          <a:lstStyle/>
+          <a:p>
+            <a:r>
+              <a:rPr lang="da-DK" dirty="0"/>
+              <a:t>CQRS</a:t>
+            </a:r>
+            <a:endParaRPr lang="en-US" dirty="0"/>
+          </a:p>
+        </p:txBody>
+      </p:sp>
+      <p:sp>
+        <p:nvSpPr>
+          <p:cNvPr id="3" name="Content Placeholder 2">
+            <a:extLst>
+              <a:ext uri="{FF2B5EF4-FFF2-40B4-BE49-F238E27FC236}">
+                <a16:creationId xmlns:a16="http://schemas.microsoft.com/office/drawing/2014/main" id="{F8D9FD7A-465D-4C5D-B9C9-71CAAA651C30}"/>
+              </a:ext>
+            </a:extLst>
+          </p:cNvPr>
+          <p:cNvSpPr>
+            <a:spLocks noGrp="1"/>
+          </p:cNvSpPr>
+          <p:nvPr>
+            <p:ph idx="1"/>
+          </p:nvPr>
+        </p:nvSpPr>
+        <p:spPr/>
+        <p:txBody>
+          <a:bodyPr/>
+          <a:lstStyle/>
+          <a:p>
+            <a:r>
+              <a:rPr lang="da-DK" dirty="0"/>
+              <a:t>Command Query </a:t>
+            </a:r>
+            <a:r>
+              <a:rPr lang="da-DK" dirty="0" err="1"/>
+              <a:t>Responsibility</a:t>
+            </a:r>
+            <a:r>
+              <a:rPr lang="da-DK" dirty="0"/>
+              <a:t> Segregation</a:t>
+            </a:r>
+          </a:p>
+          <a:p>
+            <a:pPr lvl="1"/>
+            <a:r>
+              <a:rPr lang="da-DK" dirty="0"/>
+              <a:t>Fra CQS (Command Query Separation)</a:t>
+            </a:r>
+          </a:p>
+          <a:p>
+            <a:r>
+              <a:rPr lang="da-DK" dirty="0"/>
+              <a:t>Et arkitektonisk mønster (</a:t>
+            </a:r>
+            <a:r>
+              <a:rPr lang="da-DK" dirty="0" err="1"/>
+              <a:t>Architectural</a:t>
+            </a:r>
+            <a:r>
+              <a:rPr lang="da-DK" dirty="0"/>
+              <a:t> Pattern)</a:t>
+            </a:r>
+          </a:p>
+          <a:p>
+            <a:pPr lvl="1"/>
+            <a:r>
+              <a:rPr lang="da-DK" dirty="0"/>
+              <a:t>Hvad er det og hvorfor er det forskelligt fra Design pattern</a:t>
+            </a:r>
+          </a:p>
+        </p:txBody>
+      </p:sp>
+    </p:spTree>
+    <p:extLst>
+      <p:ext uri="{BB962C8B-B14F-4D97-AF65-F5344CB8AC3E}">
+        <p14:creationId xmlns:p14="http://schemas.microsoft.com/office/powerpoint/2010/main" val="1509151976"/>
+      </p:ext>
+    </p:extLst>
+  </p:cSld>
+  <p:clrMapOvr>
+    <a:masterClrMapping/>
+  </p:clrMapOvr>
+</p:sld>
+</file>
+
+<file path=ppt/slides/slide4.xml><?xml version="1.0" encoding="utf-8"?>
+<p:sld xmlns:a="http://schemas.openxmlformats.org/drawingml/2006/main" xmlns:r="http://schemas.openxmlformats.org/officeDocument/2006/relationships" xmlns:p="http://schemas.openxmlformats.org/presentationml/2006/main">
+  <p:cSld>
+    <p:spTree>
+      <p:nvGrpSpPr>
+        <p:cNvPr id="1" name=""/>
+        <p:cNvGrpSpPr/>
+        <p:nvPr/>
+      </p:nvGrpSpPr>
+      <p:grpSpPr>
+        <a:xfrm>
+          <a:off x="0" y="0"/>
+          <a:ext cx="0" cy="0"/>
+          <a:chOff x="0" y="0"/>
+          <a:chExt cx="0" cy="0"/>
+        </a:xfrm>
+      </p:grpSpPr>
+      <p:sp>
+        <p:nvSpPr>
+          <p:cNvPr id="2" name="Title 1">
+            <a:extLst>
+              <a:ext uri="{FF2B5EF4-FFF2-40B4-BE49-F238E27FC236}">
+                <a16:creationId xmlns:a16="http://schemas.microsoft.com/office/drawing/2014/main" id="{F02CA0E5-F6A4-4A3A-9D17-4EBB34285A52}"/>
+              </a:ext>
+            </a:extLst>
+          </p:cNvPr>
+          <p:cNvSpPr>
+            <a:spLocks noGrp="1"/>
+          </p:cNvSpPr>
+          <p:nvPr>
+            <p:ph type="title"/>
+          </p:nvPr>
+        </p:nvSpPr>
+        <p:spPr/>
+        <p:txBody>
+          <a:bodyPr/>
+          <a:lstStyle/>
+          <a:p>
+            <a:r>
+              <a:rPr lang="da-DK" dirty="0"/>
+              <a:t>Opbygning</a:t>
+            </a:r>
+            <a:endParaRPr lang="en-US" dirty="0"/>
+          </a:p>
+        </p:txBody>
+      </p:sp>
+      <p:sp>
+        <p:nvSpPr>
+          <p:cNvPr id="3" name="Content Placeholder 2">
+            <a:extLst>
+              <a:ext uri="{FF2B5EF4-FFF2-40B4-BE49-F238E27FC236}">
+                <a16:creationId xmlns:a16="http://schemas.microsoft.com/office/drawing/2014/main" id="{23575FF0-D366-4E7C-B7E4-614C287AF817}"/>
+              </a:ext>
+            </a:extLst>
+          </p:cNvPr>
+          <p:cNvSpPr>
+            <a:spLocks noGrp="1"/>
+          </p:cNvSpPr>
+          <p:nvPr>
+            <p:ph idx="1"/>
+          </p:nvPr>
+        </p:nvSpPr>
+        <p:spPr/>
+        <p:txBody>
+          <a:bodyPr/>
+          <a:lstStyle/>
+          <a:p>
+            <a:r>
+              <a:rPr lang="da-DK" dirty="0"/>
+              <a:t>Command</a:t>
+            </a:r>
+          </a:p>
+          <a:p>
+            <a:pPr lvl="1"/>
+            <a:r>
+              <a:rPr lang="da-DK" dirty="0"/>
+              <a:t>Write</a:t>
+            </a:r>
+          </a:p>
+          <a:p>
+            <a:r>
+              <a:rPr lang="da-DK" dirty="0"/>
+              <a:t>Query</a:t>
+            </a:r>
+          </a:p>
+          <a:p>
+            <a:pPr lvl="1"/>
+            <a:r>
+              <a:rPr lang="da-DK" dirty="0"/>
+              <a:t>Read</a:t>
+            </a:r>
+          </a:p>
+          <a:p>
+            <a:endParaRPr lang="en-US" dirty="0"/>
+          </a:p>
+        </p:txBody>
+      </p:sp>
+    </p:spTree>
+    <p:extLst>
+      <p:ext uri="{BB962C8B-B14F-4D97-AF65-F5344CB8AC3E}">
+        <p14:creationId xmlns:p14="http://schemas.microsoft.com/office/powerpoint/2010/main" val="3773180436"/>
       </p:ext>
     </p:extLst>
   </p:cSld>

--- a/resources/Presentation-Slide/Presentationb.pptx
+++ b/resources/Presentation-Slide/Presentationb.pptx
@@ -6,9 +6,14 @@
   </p:sldMasterIdLst>
   <p:sldIdLst>
     <p:sldId id="256" r:id="rId2"/>
-    <p:sldId id="257" r:id="rId3"/>
+    <p:sldId id="265" r:id="rId3"/>
     <p:sldId id="258" r:id="rId4"/>
     <p:sldId id="259" r:id="rId5"/>
+    <p:sldId id="260" r:id="rId6"/>
+    <p:sldId id="263" r:id="rId7"/>
+    <p:sldId id="261" r:id="rId8"/>
+    <p:sldId id="262" r:id="rId9"/>
+    <p:sldId id="264" r:id="rId10"/>
   </p:sldIdLst>
   <p:sldSz cx="12192000" cy="6858000"/>
   <p:notesSz cx="6858000" cy="9144000"/>
@@ -107,7 +112,16 @@
       </a:defRPr>
     </a:lvl9pPr>
   </p:defaultTextStyle>
+  <p:extLst>
+    <p:ext uri="{EFAFB233-063F-42B5-8137-9DF3F51BA10A}">
+      <p15:sldGuideLst xmlns:p15="http://schemas.microsoft.com/office/powerpoint/2012/main"/>
+    </p:ext>
+  </p:extLst>
 </p:presentation>
+</file>
+
+<file path=ppt/revisionInfo.xml><?xml version="1.0" encoding="utf-8"?>
+<p1510:revInfo xmlns:a="http://schemas.openxmlformats.org/drawingml/2006/main" xmlns:r="http://schemas.openxmlformats.org/officeDocument/2006/relationships" xmlns:p1510="http://schemas.microsoft.com/office/powerpoint/2015/10/main"/>
 </file>
 
 <file path=ppt/slideLayouts/slideLayout1.xml><?xml version="1.0" encoding="utf-8"?>
@@ -13810,6 +13824,349 @@
           </a:p>
         </p:txBody>
       </p:sp>
+      <p:graphicFrame>
+        <p:nvGraphicFramePr>
+          <p:cNvPr id="4" name="Table 3">
+            <a:extLst>
+              <a:ext uri="{FF2B5EF4-FFF2-40B4-BE49-F238E27FC236}">
+                <a16:creationId xmlns:a16="http://schemas.microsoft.com/office/drawing/2014/main" id="{C7749A66-C8CF-4A03-AFF1-5C51E1493F4F}"/>
+              </a:ext>
+            </a:extLst>
+          </p:cNvPr>
+          <p:cNvGraphicFramePr>
+            <a:graphicFrameLocks noGrp="1"/>
+          </p:cNvGraphicFramePr>
+          <p:nvPr>
+            <p:extLst>
+              <p:ext uri="{D42A27DB-BD31-4B8C-83A1-F6EECF244321}">
+                <p14:modId xmlns:p14="http://schemas.microsoft.com/office/powerpoint/2010/main" val="2947251315"/>
+              </p:ext>
+            </p:extLst>
+          </p:nvPr>
+        </p:nvGraphicFramePr>
+        <p:xfrm>
+          <a:off x="5989739" y="3825380"/>
+          <a:ext cx="5495721" cy="2316786"/>
+        </p:xfrm>
+        <a:graphic>
+          <a:graphicData uri="http://schemas.openxmlformats.org/drawingml/2006/table">
+            <a:tbl>
+              <a:tblPr firstRow="1" bandRow="1">
+                <a:tableStyleId>{5C22544A-7EE6-4342-B048-85BDC9FD1C3A}</a:tableStyleId>
+              </a:tblPr>
+              <a:tblGrid>
+                <a:gridCol w="1831907">
+                  <a:extLst>
+                    <a:ext uri="{9D8B030D-6E8A-4147-A177-3AD203B41FA5}">
+                      <a16:colId xmlns:a16="http://schemas.microsoft.com/office/drawing/2014/main" val="3065987005"/>
+                    </a:ext>
+                  </a:extLst>
+                </a:gridCol>
+                <a:gridCol w="1831907">
+                  <a:extLst>
+                    <a:ext uri="{9D8B030D-6E8A-4147-A177-3AD203B41FA5}">
+                      <a16:colId xmlns:a16="http://schemas.microsoft.com/office/drawing/2014/main" val="752053284"/>
+                    </a:ext>
+                  </a:extLst>
+                </a:gridCol>
+                <a:gridCol w="1831907">
+                  <a:extLst>
+                    <a:ext uri="{9D8B030D-6E8A-4147-A177-3AD203B41FA5}">
+                      <a16:colId xmlns:a16="http://schemas.microsoft.com/office/drawing/2014/main" val="75537155"/>
+                    </a:ext>
+                  </a:extLst>
+                </a:gridCol>
+              </a:tblGrid>
+              <a:tr h="313831">
+                <a:tc>
+                  <a:txBody>
+                    <a:bodyPr/>
+                    <a:lstStyle/>
+                    <a:p>
+                      <a:r>
+                        <a:rPr lang="da-DK" sz="1000" dirty="0"/>
+                        <a:t>Navn</a:t>
+                      </a:r>
+                      <a:endParaRPr lang="en-US" sz="1000" dirty="0"/>
+                    </a:p>
+                  </a:txBody>
+                  <a:tcPr/>
+                </a:tc>
+                <a:tc>
+                  <a:txBody>
+                    <a:bodyPr/>
+                    <a:lstStyle/>
+                    <a:p>
+                      <a:r>
+                        <a:rPr lang="da-DK" sz="1000" dirty="0" err="1"/>
+                        <a:t>AuId</a:t>
+                      </a:r>
+                      <a:endParaRPr lang="en-US" sz="1000" dirty="0"/>
+                    </a:p>
+                  </a:txBody>
+                  <a:tcPr/>
+                </a:tc>
+                <a:tc>
+                  <a:txBody>
+                    <a:bodyPr/>
+                    <a:lstStyle/>
+                    <a:p>
+                      <a:r>
+                        <a:rPr lang="da-DK" sz="1000" dirty="0"/>
+                        <a:t>Studienummer</a:t>
+                      </a:r>
+                      <a:endParaRPr lang="en-US" sz="1000" dirty="0"/>
+                    </a:p>
+                  </a:txBody>
+                  <a:tcPr/>
+                </a:tc>
+                <a:extLst>
+                  <a:ext uri="{0D108BD9-81ED-4DB2-BD59-A6C34878D82A}">
+                    <a16:rowId xmlns:a16="http://schemas.microsoft.com/office/drawing/2014/main" val="3922395041"/>
+                  </a:ext>
+                </a:extLst>
+              </a:tr>
+              <a:tr h="400591">
+                <a:tc>
+                  <a:txBody>
+                    <a:bodyPr/>
+                    <a:lstStyle/>
+                    <a:p>
+                      <a:r>
+                        <a:rPr lang="da-DK" sz="1000" dirty="0"/>
+                        <a:t>Martin Lynge Dalgaard</a:t>
+                      </a:r>
+                      <a:endParaRPr lang="en-US" sz="1000" dirty="0"/>
+                    </a:p>
+                  </a:txBody>
+                  <a:tcPr/>
+                </a:tc>
+                <a:tc>
+                  <a:txBody>
+                    <a:bodyPr/>
+                    <a:lstStyle/>
+                    <a:p>
+                      <a:endParaRPr lang="en-US" sz="1000" dirty="0"/>
+                    </a:p>
+                  </a:txBody>
+                  <a:tcPr/>
+                </a:tc>
+                <a:tc>
+                  <a:txBody>
+                    <a:bodyPr/>
+                    <a:lstStyle/>
+                    <a:p>
+                      <a:r>
+                        <a:rPr lang="en-US" sz="1000" b="0" i="0" kern="1200" dirty="0">
+                          <a:solidFill>
+                            <a:schemeClr val="dk1"/>
+                          </a:solidFill>
+                          <a:effectLst/>
+                          <a:latin typeface="+mn-lt"/>
+                          <a:ea typeface="+mn-ea"/>
+                          <a:cs typeface="+mn-cs"/>
+                        </a:rPr>
+                        <a:t>20112806</a:t>
+                      </a:r>
+                      <a:endParaRPr lang="en-US" sz="1000" dirty="0"/>
+                    </a:p>
+                  </a:txBody>
+                  <a:tcPr/>
+                </a:tc>
+                <a:extLst>
+                  <a:ext uri="{0D108BD9-81ED-4DB2-BD59-A6C34878D82A}">
+                    <a16:rowId xmlns:a16="http://schemas.microsoft.com/office/drawing/2014/main" val="786620392"/>
+                  </a:ext>
+                </a:extLst>
+              </a:tr>
+              <a:tr h="400591">
+                <a:tc>
+                  <a:txBody>
+                    <a:bodyPr/>
+                    <a:lstStyle/>
+                    <a:p>
+                      <a:r>
+                        <a:rPr lang="da-DK" sz="1000" dirty="0"/>
+                        <a:t>Kasper Juul Hermansen</a:t>
+                      </a:r>
+                      <a:endParaRPr lang="en-US" sz="1000" dirty="0"/>
+                    </a:p>
+                  </a:txBody>
+                  <a:tcPr/>
+                </a:tc>
+                <a:tc>
+                  <a:txBody>
+                    <a:bodyPr/>
+                    <a:lstStyle/>
+                    <a:p>
+                      <a:r>
+                        <a:rPr lang="da-DK" sz="1000" dirty="0"/>
+                        <a:t>au557919</a:t>
+                      </a:r>
+                      <a:endParaRPr lang="en-US" sz="1000" dirty="0"/>
+                    </a:p>
+                  </a:txBody>
+                  <a:tcPr/>
+                </a:tc>
+                <a:tc>
+                  <a:txBody>
+                    <a:bodyPr/>
+                    <a:lstStyle/>
+                    <a:p>
+                      <a:r>
+                        <a:rPr lang="da-DK" sz="1000" dirty="0"/>
+                        <a:t>201607110</a:t>
+                      </a:r>
+                      <a:endParaRPr lang="en-US" sz="1000" dirty="0"/>
+                    </a:p>
+                  </a:txBody>
+                  <a:tcPr/>
+                </a:tc>
+                <a:extLst>
+                  <a:ext uri="{0D108BD9-81ED-4DB2-BD59-A6C34878D82A}">
+                    <a16:rowId xmlns:a16="http://schemas.microsoft.com/office/drawing/2014/main" val="2248301319"/>
+                  </a:ext>
+                </a:extLst>
+              </a:tr>
+              <a:tr h="400591">
+                <a:tc>
+                  <a:txBody>
+                    <a:bodyPr/>
+                    <a:lstStyle/>
+                    <a:p>
+                      <a:r>
+                        <a:rPr lang="da-DK" sz="1000" dirty="0"/>
+                        <a:t>Karsten Winther Johansen</a:t>
+                      </a:r>
+                      <a:endParaRPr lang="en-US" sz="1000" dirty="0"/>
+                    </a:p>
+                  </a:txBody>
+                  <a:tcPr/>
+                </a:tc>
+                <a:tc>
+                  <a:txBody>
+                    <a:bodyPr/>
+                    <a:lstStyle/>
+                    <a:p>
+                      <a:endParaRPr lang="en-US" sz="1000"/>
+                    </a:p>
+                  </a:txBody>
+                  <a:tcPr/>
+                </a:tc>
+                <a:tc>
+                  <a:txBody>
+                    <a:bodyPr/>
+                    <a:lstStyle/>
+                    <a:p>
+                      <a:endParaRPr lang="en-US" sz="1000" dirty="0"/>
+                    </a:p>
+                  </a:txBody>
+                  <a:tcPr/>
+                </a:tc>
+                <a:extLst>
+                  <a:ext uri="{0D108BD9-81ED-4DB2-BD59-A6C34878D82A}">
+                    <a16:rowId xmlns:a16="http://schemas.microsoft.com/office/drawing/2014/main" val="1587807360"/>
+                  </a:ext>
+                </a:extLst>
+              </a:tr>
+              <a:tr h="400591">
+                <a:tc>
+                  <a:txBody>
+                    <a:bodyPr/>
+                    <a:lstStyle/>
+                    <a:p>
+                      <a:r>
+                        <a:rPr lang="da-DK" sz="1000" dirty="0"/>
+                        <a:t>Jakob Levisen Kvistgaard</a:t>
+                      </a:r>
+                      <a:endParaRPr lang="en-US" sz="1000" dirty="0"/>
+                    </a:p>
+                  </a:txBody>
+                  <a:tcPr/>
+                </a:tc>
+                <a:tc>
+                  <a:txBody>
+                    <a:bodyPr/>
+                    <a:lstStyle/>
+                    <a:p>
+                      <a:endParaRPr lang="en-US" sz="1000"/>
+                    </a:p>
+                  </a:txBody>
+                  <a:tcPr/>
+                </a:tc>
+                <a:tc>
+                  <a:txBody>
+                    <a:bodyPr/>
+                    <a:lstStyle/>
+                    <a:p>
+                      <a:endParaRPr lang="en-US" sz="1000"/>
+                    </a:p>
+                  </a:txBody>
+                  <a:tcPr/>
+                </a:tc>
+                <a:extLst>
+                  <a:ext uri="{0D108BD9-81ED-4DB2-BD59-A6C34878D82A}">
+                    <a16:rowId xmlns:a16="http://schemas.microsoft.com/office/drawing/2014/main" val="2609415202"/>
+                  </a:ext>
+                </a:extLst>
+              </a:tr>
+              <a:tr h="400591">
+                <a:tc>
+                  <a:txBody>
+                    <a:bodyPr/>
+                    <a:lstStyle/>
+                    <a:p>
+                      <a:r>
+                        <a:rPr lang="da-DK" sz="1000" dirty="0"/>
+                        <a:t>Jakob Bonde Nielsen</a:t>
+                      </a:r>
+                      <a:endParaRPr lang="en-US" sz="1000" dirty="0"/>
+                    </a:p>
+                  </a:txBody>
+                  <a:tcPr/>
+                </a:tc>
+                <a:tc>
+                  <a:txBody>
+                    <a:bodyPr/>
+                    <a:lstStyle/>
+                    <a:p>
+                      <a:endParaRPr lang="en-US" sz="1000"/>
+                    </a:p>
+                  </a:txBody>
+                  <a:tcPr/>
+                </a:tc>
+                <a:tc>
+                  <a:txBody>
+                    <a:bodyPr/>
+                    <a:lstStyle/>
+                    <a:p>
+                      <a:r>
+                        <a:rPr lang="en-US" sz="1000" b="0" i="0" kern="1200" dirty="0">
+                          <a:solidFill>
+                            <a:schemeClr val="dk1"/>
+                          </a:solidFill>
+                          <a:effectLst/>
+                          <a:latin typeface="+mn-lt"/>
+                          <a:ea typeface="+mn-ea"/>
+                          <a:cs typeface="+mn-cs"/>
+                        </a:rPr>
+                        <a:t>201607589</a:t>
+                      </a:r>
+                      <a:endParaRPr lang="en-US" sz="1000" dirty="0"/>
+                    </a:p>
+                  </a:txBody>
+                  <a:tcPr/>
+                </a:tc>
+                <a:extLst>
+                  <a:ext uri="{0D108BD9-81ED-4DB2-BD59-A6C34878D82A}">
+                    <a16:rowId xmlns:a16="http://schemas.microsoft.com/office/drawing/2014/main" val="1448267793"/>
+                  </a:ext>
+                </a:extLst>
+              </a:tr>
+            </a:tbl>
+          </a:graphicData>
+        </a:graphic>
+      </p:graphicFrame>
     </p:spTree>
     <p:extLst>
       <p:ext uri="{BB962C8B-B14F-4D97-AF65-F5344CB8AC3E}">
@@ -13842,10 +14199,10 @@
       </p:grpSpPr>
       <p:sp>
         <p:nvSpPr>
-          <p:cNvPr id="4" name="Title 3">
+          <p:cNvPr id="2" name="Title 1">
             <a:extLst>
               <a:ext uri="{FF2B5EF4-FFF2-40B4-BE49-F238E27FC236}">
-                <a16:creationId xmlns:a16="http://schemas.microsoft.com/office/drawing/2014/main" id="{137CB976-60E9-43BA-8FAE-5860C1D2C9AA}"/>
+                <a16:creationId xmlns:a16="http://schemas.microsoft.com/office/drawing/2014/main" id="{916CA283-73E6-42E2-A950-BE77F6E387C1}"/>
               </a:ext>
             </a:extLst>
           </p:cNvPr>
@@ -13853,7 +14210,7 @@
             <a:spLocks noGrp="1"/>
           </p:cNvSpPr>
           <p:nvPr>
-            <p:ph type="ctrTitle"/>
+            <p:ph type="title"/>
           </p:nvPr>
         </p:nvSpPr>
         <p:spPr/>
@@ -13863,7 +14220,7 @@
           <a:p>
             <a:r>
               <a:rPr lang="da-DK" dirty="0"/>
-              <a:t>Hvad er CQRS?</a:t>
+              <a:t>Indledning</a:t>
             </a:r>
             <a:endParaRPr lang="en-US" dirty="0"/>
           </a:p>
@@ -13871,10 +14228,10 @@
       </p:sp>
       <p:sp>
         <p:nvSpPr>
-          <p:cNvPr id="5" name="Subtitle 4">
+          <p:cNvPr id="3" name="Content Placeholder 2">
             <a:extLst>
               <a:ext uri="{FF2B5EF4-FFF2-40B4-BE49-F238E27FC236}">
-                <a16:creationId xmlns:a16="http://schemas.microsoft.com/office/drawing/2014/main" id="{F9C0CB20-CBC4-4964-B9D0-BC8819F26BE3}"/>
+                <a16:creationId xmlns:a16="http://schemas.microsoft.com/office/drawing/2014/main" id="{556384EC-9623-49DE-A82D-284206C559D9}"/>
               </a:ext>
             </a:extLst>
           </p:cNvPr>
@@ -13882,7 +14239,7 @@
             <a:spLocks noGrp="1"/>
           </p:cNvSpPr>
           <p:nvPr>
-            <p:ph type="subTitle" idx="1"/>
+            <p:ph idx="1"/>
           </p:nvPr>
         </p:nvSpPr>
         <p:spPr/>
@@ -13890,6 +14247,45 @@
           <a:bodyPr/>
           <a:lstStyle/>
           <a:p>
+            <a:r>
+              <a:rPr lang="da-DK" dirty="0"/>
+              <a:t>Hvad er CQRS</a:t>
+            </a:r>
+          </a:p>
+          <a:p>
+            <a:r>
+              <a:rPr lang="da-DK" dirty="0"/>
+              <a:t>Opbygning</a:t>
+            </a:r>
+          </a:p>
+          <a:p>
+            <a:r>
+              <a:rPr lang="da-DK" dirty="0"/>
+              <a:t>Hvorfor?</a:t>
+            </a:r>
+          </a:p>
+          <a:p>
+            <a:r>
+              <a:rPr lang="da-DK" dirty="0"/>
+              <a:t>Struktur</a:t>
+            </a:r>
+          </a:p>
+          <a:p>
+            <a:r>
+              <a:rPr lang="da-DK" dirty="0"/>
+              <a:t>Fordele &amp; Ulemper</a:t>
+            </a:r>
+          </a:p>
+          <a:p>
+            <a:r>
+              <a:rPr lang="da-DK" dirty="0"/>
+              <a:t>Hvornår?</a:t>
+            </a:r>
+          </a:p>
+          <a:p>
+            <a:endParaRPr lang="da-DK" dirty="0"/>
+          </a:p>
+          <a:p>
             <a:endParaRPr lang="en-US" dirty="0"/>
           </a:p>
         </p:txBody>
@@ -13897,7 +14293,7 @@
     </p:spTree>
     <p:extLst>
       <p:ext uri="{BB962C8B-B14F-4D97-AF65-F5344CB8AC3E}">
-        <p14:creationId xmlns:p14="http://schemas.microsoft.com/office/powerpoint/2010/main" val="2582541284"/>
+        <p14:creationId xmlns:p14="http://schemas.microsoft.com/office/powerpoint/2010/main" val="3184817071"/>
       </p:ext>
     </p:extLst>
   </p:cSld>
@@ -13947,7 +14343,7 @@
           <a:p>
             <a:r>
               <a:rPr lang="da-DK" dirty="0"/>
-              <a:t>CQRS</a:t>
+              <a:t>Hvad er CQRS?</a:t>
             </a:r>
             <a:endParaRPr lang="en-US" dirty="0"/>
           </a:p>
@@ -13985,6 +14381,13 @@
             <a:r>
               <a:rPr lang="da-DK" dirty="0"/>
               <a:t> Segregation</a:t>
+            </a:r>
+          </a:p>
+          <a:p>
+            <a:pPr lvl="1"/>
+            <a:r>
+              <a:rPr lang="da-DK" dirty="0"/>
+              <a:t>Repræsentere det samme data med flere modeller</a:t>
             </a:r>
           </a:p>
           <a:p>
@@ -14106,7 +14509,23 @@
             <a:pPr lvl="1"/>
             <a:r>
               <a:rPr lang="da-DK" dirty="0"/>
-              <a:t>Write</a:t>
+              <a:t>Write (</a:t>
+            </a:r>
+            <a:r>
+              <a:rPr lang="da-DK" dirty="0" err="1"/>
+              <a:t>Create</a:t>
+            </a:r>
+            <a:r>
+              <a:rPr lang="da-DK" dirty="0"/>
+              <a:t>, Update, </a:t>
+            </a:r>
+            <a:r>
+              <a:rPr lang="da-DK" dirty="0" err="1"/>
+              <a:t>Delete</a:t>
+            </a:r>
+            <a:r>
+              <a:rPr lang="da-DK" dirty="0"/>
+              <a:t>)</a:t>
             </a:r>
           </a:p>
           <a:p>
@@ -14119,8 +14538,33 @@
             <a:pPr lvl="1"/>
             <a:r>
               <a:rPr lang="da-DK" dirty="0"/>
-              <a:t>Read</a:t>
-            </a:r>
+              <a:t>Read (Read)</a:t>
+            </a:r>
+          </a:p>
+          <a:p>
+            <a:r>
+              <a:rPr lang="da-DK" dirty="0" err="1"/>
+              <a:t>Responsibility</a:t>
+            </a:r>
+            <a:endParaRPr lang="da-DK" dirty="0"/>
+          </a:p>
+          <a:p>
+            <a:r>
+              <a:rPr lang="da-DK" dirty="0"/>
+              <a:t>Segregation</a:t>
+            </a:r>
+          </a:p>
+          <a:p>
+            <a:endParaRPr lang="da-DK" dirty="0"/>
+          </a:p>
+          <a:p>
+            <a:r>
+              <a:rPr lang="da-DK" dirty="0"/>
+              <a:t>Kan kun læse eller skrive, men ikke blandet.</a:t>
+            </a:r>
+          </a:p>
+          <a:p>
+            <a:endParaRPr lang="da-DK" dirty="0"/>
           </a:p>
           <a:p>
             <a:endParaRPr lang="en-US" dirty="0"/>
@@ -14131,6 +14575,679 @@
     <p:extLst>
       <p:ext uri="{BB962C8B-B14F-4D97-AF65-F5344CB8AC3E}">
         <p14:creationId xmlns:p14="http://schemas.microsoft.com/office/powerpoint/2010/main" val="3773180436"/>
+      </p:ext>
+    </p:extLst>
+  </p:cSld>
+  <p:clrMapOvr>
+    <a:masterClrMapping/>
+  </p:clrMapOvr>
+</p:sld>
+</file>
+
+<file path=ppt/slides/slide5.xml><?xml version="1.0" encoding="utf-8"?>
+<p:sld xmlns:a="http://schemas.openxmlformats.org/drawingml/2006/main" xmlns:r="http://schemas.openxmlformats.org/officeDocument/2006/relationships" xmlns:p="http://schemas.openxmlformats.org/presentationml/2006/main">
+  <p:cSld>
+    <p:spTree>
+      <p:nvGrpSpPr>
+        <p:cNvPr id="1" name=""/>
+        <p:cNvGrpSpPr/>
+        <p:nvPr/>
+      </p:nvGrpSpPr>
+      <p:grpSpPr>
+        <a:xfrm>
+          <a:off x="0" y="0"/>
+          <a:ext cx="0" cy="0"/>
+          <a:chOff x="0" y="0"/>
+          <a:chExt cx="0" cy="0"/>
+        </a:xfrm>
+      </p:grpSpPr>
+      <p:sp>
+        <p:nvSpPr>
+          <p:cNvPr id="2" name="Title 1">
+            <a:extLst>
+              <a:ext uri="{FF2B5EF4-FFF2-40B4-BE49-F238E27FC236}">
+                <a16:creationId xmlns:a16="http://schemas.microsoft.com/office/drawing/2014/main" id="{C0C44683-11D1-4F75-89C8-EA4DAD2F575B}"/>
+              </a:ext>
+            </a:extLst>
+          </p:cNvPr>
+          <p:cNvSpPr>
+            <a:spLocks noGrp="1"/>
+          </p:cNvSpPr>
+          <p:nvPr>
+            <p:ph type="title"/>
+          </p:nvPr>
+        </p:nvSpPr>
+        <p:spPr/>
+        <p:txBody>
+          <a:bodyPr/>
+          <a:lstStyle/>
+          <a:p>
+            <a:r>
+              <a:rPr lang="da-DK" dirty="0"/>
+              <a:t>Hvorfor det betyder noget?</a:t>
+            </a:r>
+            <a:endParaRPr lang="en-US" dirty="0"/>
+          </a:p>
+        </p:txBody>
+      </p:sp>
+      <p:pic>
+        <p:nvPicPr>
+          <p:cNvPr id="5" name="Picture 4">
+            <a:extLst>
+              <a:ext uri="{FF2B5EF4-FFF2-40B4-BE49-F238E27FC236}">
+                <a16:creationId xmlns:a16="http://schemas.microsoft.com/office/drawing/2014/main" id="{38844A7F-3FF0-4736-87B5-75D9131CF706}"/>
+              </a:ext>
+            </a:extLst>
+          </p:cNvPr>
+          <p:cNvPicPr>
+            <a:picLocks noChangeAspect="1"/>
+          </p:cNvPicPr>
+          <p:nvPr/>
+        </p:nvPicPr>
+        <p:blipFill>
+          <a:blip r:embed="rId2"/>
+          <a:stretch>
+            <a:fillRect/>
+          </a:stretch>
+        </p:blipFill>
+        <p:spPr>
+          <a:xfrm>
+            <a:off x="4857749" y="2381250"/>
+            <a:ext cx="2286000" cy="1409700"/>
+          </a:xfrm>
+          <a:prstGeom prst="rect">
+            <a:avLst/>
+          </a:prstGeom>
+        </p:spPr>
+      </p:pic>
+      <p:pic>
+        <p:nvPicPr>
+          <p:cNvPr id="7" name="Picture 6">
+            <a:extLst>
+              <a:ext uri="{FF2B5EF4-FFF2-40B4-BE49-F238E27FC236}">
+                <a16:creationId xmlns:a16="http://schemas.microsoft.com/office/drawing/2014/main" id="{253190B5-4D29-4DB6-B0A6-4412E7E766E3}"/>
+              </a:ext>
+            </a:extLst>
+          </p:cNvPr>
+          <p:cNvPicPr>
+            <a:picLocks noChangeAspect="1"/>
+          </p:cNvPicPr>
+          <p:nvPr/>
+        </p:nvPicPr>
+        <p:blipFill>
+          <a:blip r:embed="rId3"/>
+          <a:stretch>
+            <a:fillRect/>
+          </a:stretch>
+        </p:blipFill>
+        <p:spPr>
+          <a:xfrm>
+            <a:off x="3271837" y="5005387"/>
+            <a:ext cx="5457825" cy="1419225"/>
+          </a:xfrm>
+          <a:prstGeom prst="rect">
+            <a:avLst/>
+          </a:prstGeom>
+        </p:spPr>
+      </p:pic>
+      <p:sp>
+        <p:nvSpPr>
+          <p:cNvPr id="8" name="TextBox 7">
+            <a:extLst>
+              <a:ext uri="{FF2B5EF4-FFF2-40B4-BE49-F238E27FC236}">
+                <a16:creationId xmlns:a16="http://schemas.microsoft.com/office/drawing/2014/main" id="{6C103CD0-E6F5-40D5-91DD-06D763329FEE}"/>
+              </a:ext>
+            </a:extLst>
+          </p:cNvPr>
+          <p:cNvSpPr txBox="1"/>
+          <p:nvPr/>
+        </p:nvSpPr>
+        <p:spPr>
+          <a:xfrm>
+            <a:off x="5808064" y="3921115"/>
+            <a:ext cx="335036" cy="954107"/>
+          </a:xfrm>
+          <a:prstGeom prst="rect">
+            <a:avLst/>
+          </a:prstGeom>
+          <a:noFill/>
+        </p:spPr>
+        <p:txBody>
+          <a:bodyPr wrap="square" rtlCol="0">
+            <a:spAutoFit/>
+          </a:bodyPr>
+          <a:lstStyle/>
+          <a:p>
+            <a:r>
+              <a:rPr lang="da-DK" sz="2800" dirty="0"/>
+              <a:t>|</a:t>
+            </a:r>
+          </a:p>
+          <a:p>
+            <a:r>
+              <a:rPr lang="da-DK" sz="2800" dirty="0"/>
+              <a:t>v</a:t>
+            </a:r>
+            <a:endParaRPr lang="en-US" sz="2800" dirty="0"/>
+          </a:p>
+        </p:txBody>
+      </p:sp>
+    </p:spTree>
+    <p:extLst>
+      <p:ext uri="{BB962C8B-B14F-4D97-AF65-F5344CB8AC3E}">
+        <p14:creationId xmlns:p14="http://schemas.microsoft.com/office/powerpoint/2010/main" val="3437403020"/>
+      </p:ext>
+    </p:extLst>
+  </p:cSld>
+  <p:clrMapOvr>
+    <a:masterClrMapping/>
+  </p:clrMapOvr>
+</p:sld>
+</file>
+
+<file path=ppt/slides/slide6.xml><?xml version="1.0" encoding="utf-8"?>
+<p:sld xmlns:a="http://schemas.openxmlformats.org/drawingml/2006/main" xmlns:r="http://schemas.openxmlformats.org/officeDocument/2006/relationships" xmlns:p="http://schemas.openxmlformats.org/presentationml/2006/main">
+  <p:cSld>
+    <p:spTree>
+      <p:nvGrpSpPr>
+        <p:cNvPr id="1" name=""/>
+        <p:cNvGrpSpPr/>
+        <p:nvPr/>
+      </p:nvGrpSpPr>
+      <p:grpSpPr>
+        <a:xfrm>
+          <a:off x="0" y="0"/>
+          <a:ext cx="0" cy="0"/>
+          <a:chOff x="0" y="0"/>
+          <a:chExt cx="0" cy="0"/>
+        </a:xfrm>
+      </p:grpSpPr>
+      <p:sp>
+        <p:nvSpPr>
+          <p:cNvPr id="2" name="Title 1">
+            <a:extLst>
+              <a:ext uri="{FF2B5EF4-FFF2-40B4-BE49-F238E27FC236}">
+                <a16:creationId xmlns:a16="http://schemas.microsoft.com/office/drawing/2014/main" id="{D7B3BAB6-6D76-4939-9B9B-925564527D81}"/>
+              </a:ext>
+            </a:extLst>
+          </p:cNvPr>
+          <p:cNvSpPr>
+            <a:spLocks noGrp="1"/>
+          </p:cNvSpPr>
+          <p:nvPr>
+            <p:ph type="title"/>
+          </p:nvPr>
+        </p:nvSpPr>
+        <p:spPr/>
+        <p:txBody>
+          <a:bodyPr/>
+          <a:lstStyle/>
+          <a:p>
+            <a:r>
+              <a:rPr lang="da-DK" dirty="0"/>
+              <a:t>Struktur</a:t>
+            </a:r>
+            <a:endParaRPr lang="en-US" dirty="0"/>
+          </a:p>
+        </p:txBody>
+      </p:sp>
+      <p:pic>
+        <p:nvPicPr>
+          <p:cNvPr id="1028" name="Picture 4" descr="Image result for CQRS">
+            <a:extLst>
+              <a:ext uri="{FF2B5EF4-FFF2-40B4-BE49-F238E27FC236}">
+                <a16:creationId xmlns:a16="http://schemas.microsoft.com/office/drawing/2014/main" id="{E404B71F-8ABD-43E6-93E9-55D3DF3846F0}"/>
+              </a:ext>
+            </a:extLst>
+          </p:cNvPr>
+          <p:cNvPicPr>
+            <a:picLocks noChangeAspect="1" noChangeArrowheads="1"/>
+          </p:cNvPicPr>
+          <p:nvPr/>
+        </p:nvPicPr>
+        <p:blipFill>
+          <a:blip r:embed="rId2">
+            <a:extLst>
+              <a:ext uri="{28A0092B-C50C-407E-A947-70E740481C1C}">
+                <a14:useLocalDpi xmlns:a14="http://schemas.microsoft.com/office/drawing/2010/main" val="0"/>
+              </a:ext>
+            </a:extLst>
+          </a:blip>
+          <a:srcRect/>
+          <a:stretch>
+            <a:fillRect/>
+          </a:stretch>
+        </p:blipFill>
+        <p:spPr bwMode="auto">
+          <a:xfrm>
+            <a:off x="4265424" y="2603500"/>
+            <a:ext cx="2540469" cy="3267075"/>
+          </a:xfrm>
+          <a:prstGeom prst="rect">
+            <a:avLst/>
+          </a:prstGeom>
+          <a:noFill/>
+          <a:extLst>
+            <a:ext uri="{909E8E84-426E-40DD-AFC4-6F175D3DCCD1}">
+              <a14:hiddenFill xmlns:a14="http://schemas.microsoft.com/office/drawing/2010/main">
+                <a:solidFill>
+                  <a:srgbClr val="FFFFFF"/>
+                </a:solidFill>
+              </a14:hiddenFill>
+            </a:ext>
+          </a:extLst>
+        </p:spPr>
+      </p:pic>
+      <p:sp>
+        <p:nvSpPr>
+          <p:cNvPr id="6" name="Content Placeholder 5">
+            <a:extLst>
+              <a:ext uri="{FF2B5EF4-FFF2-40B4-BE49-F238E27FC236}">
+                <a16:creationId xmlns:a16="http://schemas.microsoft.com/office/drawing/2014/main" id="{8F8FBDA8-15DA-4946-A99E-0C8DD43E4273}"/>
+              </a:ext>
+            </a:extLst>
+          </p:cNvPr>
+          <p:cNvSpPr>
+            <a:spLocks noGrp="1"/>
+          </p:cNvSpPr>
+          <p:nvPr>
+            <p:ph idx="1"/>
+          </p:nvPr>
+        </p:nvSpPr>
+        <p:spPr/>
+        <p:txBody>
+          <a:bodyPr/>
+          <a:lstStyle/>
+          <a:p>
+            <a:endParaRPr lang="en-US" dirty="0"/>
+          </a:p>
+        </p:txBody>
+      </p:sp>
+      <p:sp>
+        <p:nvSpPr>
+          <p:cNvPr id="7" name="TextBox 6">
+            <a:extLst>
+              <a:ext uri="{FF2B5EF4-FFF2-40B4-BE49-F238E27FC236}">
+                <a16:creationId xmlns:a16="http://schemas.microsoft.com/office/drawing/2014/main" id="{3ADCA234-6B1E-4FA2-9EFC-176E0AEDB02A}"/>
+              </a:ext>
+            </a:extLst>
+          </p:cNvPr>
+          <p:cNvSpPr txBox="1"/>
+          <p:nvPr/>
+        </p:nvSpPr>
+        <p:spPr>
+          <a:xfrm>
+            <a:off x="4219575" y="6238875"/>
+            <a:ext cx="3228975" cy="215444"/>
+          </a:xfrm>
+          <a:prstGeom prst="rect">
+            <a:avLst/>
+          </a:prstGeom>
+          <a:noFill/>
+        </p:spPr>
+        <p:txBody>
+          <a:bodyPr wrap="square" rtlCol="0">
+            <a:spAutoFit/>
+          </a:bodyPr>
+          <a:lstStyle/>
+          <a:p>
+            <a:r>
+              <a:rPr lang="en-US" sz="800" dirty="0"/>
+              <a:t>https://dev.to/vladikk/tackling-complexity-in-cqrs</a:t>
+            </a:r>
+          </a:p>
+        </p:txBody>
+      </p:sp>
+    </p:spTree>
+    <p:extLst>
+      <p:ext uri="{BB962C8B-B14F-4D97-AF65-F5344CB8AC3E}">
+        <p14:creationId xmlns:p14="http://schemas.microsoft.com/office/powerpoint/2010/main" val="2120981507"/>
+      </p:ext>
+    </p:extLst>
+  </p:cSld>
+  <p:clrMapOvr>
+    <a:masterClrMapping/>
+  </p:clrMapOvr>
+</p:sld>
+</file>
+
+<file path=ppt/slides/slide7.xml><?xml version="1.0" encoding="utf-8"?>
+<p:sld xmlns:a="http://schemas.openxmlformats.org/drawingml/2006/main" xmlns:r="http://schemas.openxmlformats.org/officeDocument/2006/relationships" xmlns:p="http://schemas.openxmlformats.org/presentationml/2006/main">
+  <p:cSld>
+    <p:spTree>
+      <p:nvGrpSpPr>
+        <p:cNvPr id="1" name=""/>
+        <p:cNvGrpSpPr/>
+        <p:nvPr/>
+      </p:nvGrpSpPr>
+      <p:grpSpPr>
+        <a:xfrm>
+          <a:off x="0" y="0"/>
+          <a:ext cx="0" cy="0"/>
+          <a:chOff x="0" y="0"/>
+          <a:chExt cx="0" cy="0"/>
+        </a:xfrm>
+      </p:grpSpPr>
+      <p:sp>
+        <p:nvSpPr>
+          <p:cNvPr id="2" name="Title 1">
+            <a:extLst>
+              <a:ext uri="{FF2B5EF4-FFF2-40B4-BE49-F238E27FC236}">
+                <a16:creationId xmlns:a16="http://schemas.microsoft.com/office/drawing/2014/main" id="{11041D34-07AF-49C6-A392-CC0591E64CDF}"/>
+              </a:ext>
+            </a:extLst>
+          </p:cNvPr>
+          <p:cNvSpPr>
+            <a:spLocks noGrp="1"/>
+          </p:cNvSpPr>
+          <p:nvPr>
+            <p:ph type="title"/>
+          </p:nvPr>
+        </p:nvSpPr>
+        <p:spPr/>
+        <p:txBody>
+          <a:bodyPr/>
+          <a:lstStyle/>
+          <a:p>
+            <a:r>
+              <a:rPr lang="da-DK" dirty="0"/>
+              <a:t>Fordele og Ulemper</a:t>
+            </a:r>
+            <a:endParaRPr lang="en-US" dirty="0"/>
+          </a:p>
+        </p:txBody>
+      </p:sp>
+      <p:sp>
+        <p:nvSpPr>
+          <p:cNvPr id="3" name="Content Placeholder 2">
+            <a:extLst>
+              <a:ext uri="{FF2B5EF4-FFF2-40B4-BE49-F238E27FC236}">
+                <a16:creationId xmlns:a16="http://schemas.microsoft.com/office/drawing/2014/main" id="{B1D616B3-C1AC-4478-917F-965940901ACC}"/>
+              </a:ext>
+            </a:extLst>
+          </p:cNvPr>
+          <p:cNvSpPr>
+            <a:spLocks noGrp="1"/>
+          </p:cNvSpPr>
+          <p:nvPr>
+            <p:ph idx="1"/>
+          </p:nvPr>
+        </p:nvSpPr>
+        <p:spPr/>
+        <p:txBody>
+          <a:bodyPr/>
+          <a:lstStyle/>
+          <a:p>
+            <a:r>
+              <a:rPr lang="da-DK" dirty="0"/>
+              <a:t>Fordele</a:t>
+            </a:r>
+          </a:p>
+          <a:p>
+            <a:pPr lvl="1"/>
+            <a:r>
+              <a:rPr lang="da-DK" dirty="0"/>
+              <a:t>Skalering</a:t>
+            </a:r>
+          </a:p>
+          <a:p>
+            <a:pPr lvl="1"/>
+            <a:r>
+              <a:rPr lang="da-DK" dirty="0"/>
+              <a:t>Udvikling</a:t>
+            </a:r>
+          </a:p>
+          <a:p>
+            <a:pPr lvl="1"/>
+            <a:r>
+              <a:rPr lang="da-DK" dirty="0"/>
+              <a:t>Giver mulighed for Event </a:t>
+            </a:r>
+            <a:r>
+              <a:rPr lang="da-DK" dirty="0" err="1"/>
+              <a:t>Sourcing</a:t>
+            </a:r>
+            <a:r>
+              <a:rPr lang="da-DK" dirty="0"/>
+              <a:t> (Se tilhørende Rapport.)</a:t>
+            </a:r>
+          </a:p>
+          <a:p>
+            <a:r>
+              <a:rPr lang="da-DK" dirty="0"/>
+              <a:t>Ulemper</a:t>
+            </a:r>
+          </a:p>
+          <a:p>
+            <a:pPr lvl="1"/>
+            <a:r>
+              <a:rPr lang="da-DK" dirty="0"/>
+              <a:t>Kompleksitet</a:t>
+            </a:r>
+          </a:p>
+          <a:p>
+            <a:pPr lvl="1"/>
+            <a:r>
+              <a:rPr lang="da-DK" dirty="0"/>
+              <a:t>Kræver mange ressourcer</a:t>
+            </a:r>
+          </a:p>
+          <a:p>
+            <a:r>
+              <a:rPr lang="da-DK" dirty="0"/>
+              <a:t>Er situations bestemt</a:t>
+            </a:r>
+            <a:endParaRPr lang="en-US" dirty="0"/>
+          </a:p>
+        </p:txBody>
+      </p:sp>
+    </p:spTree>
+    <p:extLst>
+      <p:ext uri="{BB962C8B-B14F-4D97-AF65-F5344CB8AC3E}">
+        <p14:creationId xmlns:p14="http://schemas.microsoft.com/office/powerpoint/2010/main" val="2096565965"/>
+      </p:ext>
+    </p:extLst>
+  </p:cSld>
+  <p:clrMapOvr>
+    <a:masterClrMapping/>
+  </p:clrMapOvr>
+</p:sld>
+</file>
+
+<file path=ppt/slides/slide8.xml><?xml version="1.0" encoding="utf-8"?>
+<p:sld xmlns:a="http://schemas.openxmlformats.org/drawingml/2006/main" xmlns:r="http://schemas.openxmlformats.org/officeDocument/2006/relationships" xmlns:p="http://schemas.openxmlformats.org/presentationml/2006/main">
+  <p:cSld>
+    <p:spTree>
+      <p:nvGrpSpPr>
+        <p:cNvPr id="1" name=""/>
+        <p:cNvGrpSpPr/>
+        <p:nvPr/>
+      </p:nvGrpSpPr>
+      <p:grpSpPr>
+        <a:xfrm>
+          <a:off x="0" y="0"/>
+          <a:ext cx="0" cy="0"/>
+          <a:chOff x="0" y="0"/>
+          <a:chExt cx="0" cy="0"/>
+        </a:xfrm>
+      </p:grpSpPr>
+      <p:sp>
+        <p:nvSpPr>
+          <p:cNvPr id="2" name="Title 1">
+            <a:extLst>
+              <a:ext uri="{FF2B5EF4-FFF2-40B4-BE49-F238E27FC236}">
+                <a16:creationId xmlns:a16="http://schemas.microsoft.com/office/drawing/2014/main" id="{FC145404-5BD7-45C6-8488-6A06A7B2E645}"/>
+              </a:ext>
+            </a:extLst>
+          </p:cNvPr>
+          <p:cNvSpPr>
+            <a:spLocks noGrp="1"/>
+          </p:cNvSpPr>
+          <p:nvPr>
+            <p:ph type="title"/>
+          </p:nvPr>
+        </p:nvSpPr>
+        <p:spPr/>
+        <p:txBody>
+          <a:bodyPr/>
+          <a:lstStyle/>
+          <a:p>
+            <a:r>
+              <a:rPr lang="da-DK" dirty="0"/>
+              <a:t>Hvornår</a:t>
+            </a:r>
+            <a:endParaRPr lang="en-US" dirty="0"/>
+          </a:p>
+        </p:txBody>
+      </p:sp>
+      <p:sp>
+        <p:nvSpPr>
+          <p:cNvPr id="3" name="Content Placeholder 2">
+            <a:extLst>
+              <a:ext uri="{FF2B5EF4-FFF2-40B4-BE49-F238E27FC236}">
+                <a16:creationId xmlns:a16="http://schemas.microsoft.com/office/drawing/2014/main" id="{148F3265-3E95-4A3F-BD21-3373B09B68A9}"/>
+              </a:ext>
+            </a:extLst>
+          </p:cNvPr>
+          <p:cNvSpPr>
+            <a:spLocks noGrp="1"/>
+          </p:cNvSpPr>
+          <p:nvPr>
+            <p:ph idx="1"/>
+          </p:nvPr>
+        </p:nvSpPr>
+        <p:spPr/>
+        <p:txBody>
+          <a:bodyPr/>
+          <a:lstStyle/>
+          <a:p>
+            <a:r>
+              <a:rPr lang="da-DK" dirty="0"/>
+              <a:t>Forretningsmodel</a:t>
+            </a:r>
+          </a:p>
+          <a:p>
+            <a:pPr lvl="1"/>
+            <a:r>
+              <a:rPr lang="da-DK" dirty="0"/>
+              <a:t>Event </a:t>
+            </a:r>
+            <a:r>
+              <a:rPr lang="da-DK" dirty="0" err="1"/>
+              <a:t>Sourcing</a:t>
+            </a:r>
+            <a:endParaRPr lang="da-DK" dirty="0"/>
+          </a:p>
+          <a:p>
+            <a:r>
+              <a:rPr lang="da-DK" dirty="0"/>
+              <a:t>Ressourcer</a:t>
+            </a:r>
+          </a:p>
+          <a:p>
+            <a:r>
+              <a:rPr lang="da-DK" dirty="0"/>
+              <a:t>Større udviklingshold</a:t>
+            </a:r>
+          </a:p>
+          <a:p>
+            <a:pPr lvl="1"/>
+            <a:r>
+              <a:rPr lang="da-DK" dirty="0"/>
+              <a:t>Hvor det giver mening at uddele Skrive og Læse domæner.</a:t>
+            </a:r>
+            <a:endParaRPr lang="en-US" dirty="0"/>
+          </a:p>
+        </p:txBody>
+      </p:sp>
+    </p:spTree>
+    <p:extLst>
+      <p:ext uri="{BB962C8B-B14F-4D97-AF65-F5344CB8AC3E}">
+        <p14:creationId xmlns:p14="http://schemas.microsoft.com/office/powerpoint/2010/main" val="7419478"/>
+      </p:ext>
+    </p:extLst>
+  </p:cSld>
+  <p:clrMapOvr>
+    <a:masterClrMapping/>
+  </p:clrMapOvr>
+</p:sld>
+</file>
+
+<file path=ppt/slides/slide9.xml><?xml version="1.0" encoding="utf-8"?>
+<p:sld xmlns:a="http://schemas.openxmlformats.org/drawingml/2006/main" xmlns:r="http://schemas.openxmlformats.org/officeDocument/2006/relationships" xmlns:p="http://schemas.openxmlformats.org/presentationml/2006/main">
+  <p:cSld>
+    <p:spTree>
+      <p:nvGrpSpPr>
+        <p:cNvPr id="1" name=""/>
+        <p:cNvGrpSpPr/>
+        <p:nvPr/>
+      </p:nvGrpSpPr>
+      <p:grpSpPr>
+        <a:xfrm>
+          <a:off x="0" y="0"/>
+          <a:ext cx="0" cy="0"/>
+          <a:chOff x="0" y="0"/>
+          <a:chExt cx="0" cy="0"/>
+        </a:xfrm>
+      </p:grpSpPr>
+      <p:sp>
+        <p:nvSpPr>
+          <p:cNvPr id="2" name="Title 1">
+            <a:extLst>
+              <a:ext uri="{FF2B5EF4-FFF2-40B4-BE49-F238E27FC236}">
+                <a16:creationId xmlns:a16="http://schemas.microsoft.com/office/drawing/2014/main" id="{A0AB64A9-3B3F-4956-954D-42ECF18B139C}"/>
+              </a:ext>
+            </a:extLst>
+          </p:cNvPr>
+          <p:cNvSpPr>
+            <a:spLocks noGrp="1"/>
+          </p:cNvSpPr>
+          <p:nvPr>
+            <p:ph type="title"/>
+          </p:nvPr>
+        </p:nvSpPr>
+        <p:spPr/>
+        <p:txBody>
+          <a:bodyPr/>
+          <a:lstStyle/>
+          <a:p>
+            <a:r>
+              <a:rPr lang="da-DK" dirty="0"/>
+              <a:t>Konklusion</a:t>
+            </a:r>
+            <a:endParaRPr lang="en-US" dirty="0"/>
+          </a:p>
+        </p:txBody>
+      </p:sp>
+      <p:sp>
+        <p:nvSpPr>
+          <p:cNvPr id="3" name="Content Placeholder 2">
+            <a:extLst>
+              <a:ext uri="{FF2B5EF4-FFF2-40B4-BE49-F238E27FC236}">
+                <a16:creationId xmlns:a16="http://schemas.microsoft.com/office/drawing/2014/main" id="{26FC45BA-4796-4D71-84AB-2ACBA0D6838B}"/>
+              </a:ext>
+            </a:extLst>
+          </p:cNvPr>
+          <p:cNvSpPr>
+            <a:spLocks noGrp="1"/>
+          </p:cNvSpPr>
+          <p:nvPr>
+            <p:ph idx="1"/>
+          </p:nvPr>
+        </p:nvSpPr>
+        <p:spPr/>
+        <p:txBody>
+          <a:bodyPr/>
+          <a:lstStyle/>
+          <a:p>
+            <a:endParaRPr lang="en-US" dirty="0"/>
+          </a:p>
+        </p:txBody>
+      </p:sp>
+    </p:spTree>
+    <p:extLst>
+      <p:ext uri="{BB962C8B-B14F-4D97-AF65-F5344CB8AC3E}">
+        <p14:creationId xmlns:p14="http://schemas.microsoft.com/office/powerpoint/2010/main" val="4123308648"/>
       </p:ext>
     </p:extLst>
   </p:cSld>

--- a/resources/Presentation-Slide/Presentationb.pptx
+++ b/resources/Presentation-Slide/Presentationb.pptx
@@ -13839,14 +13839,14 @@
           <p:nvPr>
             <p:extLst>
               <p:ext uri="{D42A27DB-BD31-4B8C-83A1-F6EECF244321}">
-                <p14:modId xmlns:p14="http://schemas.microsoft.com/office/powerpoint/2010/main" val="2947251315"/>
+                <p14:modId xmlns:p14="http://schemas.microsoft.com/office/powerpoint/2010/main" val="2140845897"/>
               </p:ext>
             </p:extLst>
           </p:nvPr>
         </p:nvGraphicFramePr>
         <p:xfrm>
-          <a:off x="5989739" y="3825380"/>
-          <a:ext cx="5495721" cy="2316786"/>
+          <a:off x="7541703" y="3791824"/>
+          <a:ext cx="3858936" cy="2316786"/>
         </p:xfrm>
         <a:graphic>
           <a:graphicData uri="http://schemas.openxmlformats.org/drawingml/2006/table">
@@ -13855,21 +13855,21 @@
                 <a:tableStyleId>{5C22544A-7EE6-4342-B048-85BDC9FD1C3A}</a:tableStyleId>
               </a:tblPr>
               <a:tblGrid>
-                <a:gridCol w="1831907">
+                <a:gridCol w="1874097">
                   <a:extLst>
                     <a:ext uri="{9D8B030D-6E8A-4147-A177-3AD203B41FA5}">
                       <a16:colId xmlns:a16="http://schemas.microsoft.com/office/drawing/2014/main" val="3065987005"/>
                     </a:ext>
                   </a:extLst>
                 </a:gridCol>
-                <a:gridCol w="1831907">
+                <a:gridCol w="783713">
                   <a:extLst>
                     <a:ext uri="{9D8B030D-6E8A-4147-A177-3AD203B41FA5}">
                       <a16:colId xmlns:a16="http://schemas.microsoft.com/office/drawing/2014/main" val="752053284"/>
                     </a:ext>
                   </a:extLst>
                 </a:gridCol>
-                <a:gridCol w="1831907">
+                <a:gridCol w="1201126">
                   <a:extLst>
                     <a:ext uri="{9D8B030D-6E8A-4147-A177-3AD203B41FA5}">
                       <a16:colId xmlns:a16="http://schemas.microsoft.com/office/drawing/2014/main" val="75537155"/>
@@ -13946,6 +13946,18 @@
                     <a:bodyPr/>
                     <a:lstStyle/>
                     <a:p>
+                      <a:r>
+                        <a:rPr lang="en-US" sz="1000" b="0" i="0" kern="1200" dirty="0">
+                          <a:solidFill>
+                            <a:schemeClr val="dk1"/>
+                          </a:solidFill>
+                          <a:effectLst/>
+                          <a:latin typeface="+mn-lt"/>
+                          <a:ea typeface="+mn-ea"/>
+                          <a:cs typeface="+mn-cs"/>
+                        </a:rPr>
+                        <a:t>au339657</a:t>
+                      </a:r>
                       <a:endParaRPr lang="en-US" sz="1000" dirty="0"/>
                     </a:p>
                   </a:txBody>
@@ -14048,7 +14060,19 @@
                     <a:bodyPr/>
                     <a:lstStyle/>
                     <a:p>
-                      <a:endParaRPr lang="en-US" sz="1000"/>
+                      <a:r>
+                        <a:rPr lang="en-US" sz="1000" b="0" i="0" kern="1200" dirty="0">
+                          <a:solidFill>
+                            <a:schemeClr val="dk1"/>
+                          </a:solidFill>
+                          <a:effectLst/>
+                          <a:latin typeface="+mn-lt"/>
+                          <a:ea typeface="+mn-ea"/>
+                          <a:cs typeface="+mn-cs"/>
+                        </a:rPr>
+                        <a:t>au516160</a:t>
+                      </a:r>
+                      <a:endParaRPr lang="en-US" sz="1000" dirty="0"/>
                     </a:p>
                   </a:txBody>
                   <a:tcPr/>
@@ -14058,6 +14082,18 @@
                     <a:bodyPr/>
                     <a:lstStyle/>
                     <a:p>
+                      <a:r>
+                        <a:rPr lang="en-US" sz="1000" b="0" i="0" kern="1200" dirty="0">
+                          <a:solidFill>
+                            <a:schemeClr val="dk1"/>
+                          </a:solidFill>
+                          <a:effectLst/>
+                          <a:latin typeface="+mn-lt"/>
+                          <a:ea typeface="+mn-ea"/>
+                          <a:cs typeface="+mn-cs"/>
+                        </a:rPr>
+                        <a:t>201400298</a:t>
+                      </a:r>
                       <a:endParaRPr lang="en-US" sz="1000" dirty="0"/>
                     </a:p>
                   </a:txBody>
@@ -14089,7 +14125,19 @@
                     <a:bodyPr/>
                     <a:lstStyle/>
                     <a:p>
-                      <a:endParaRPr lang="en-US" sz="1000"/>
+                      <a:r>
+                        <a:rPr lang="en-US" sz="1000" b="0" i="0" kern="1200" dirty="0">
+                          <a:solidFill>
+                            <a:schemeClr val="dk1"/>
+                          </a:solidFill>
+                          <a:effectLst/>
+                          <a:latin typeface="+mn-lt"/>
+                          <a:ea typeface="+mn-ea"/>
+                          <a:cs typeface="+mn-cs"/>
+                        </a:rPr>
+                        <a:t>au559220</a:t>
+                      </a:r>
+                      <a:endParaRPr lang="en-US" sz="1000" dirty="0"/>
                     </a:p>
                   </a:txBody>
                   <a:tcPr/>
@@ -14099,7 +14147,19 @@
                     <a:bodyPr/>
                     <a:lstStyle/>
                     <a:p>
-                      <a:endParaRPr lang="en-US" sz="1000"/>
+                      <a:r>
+                        <a:rPr lang="en-US" sz="1000" b="0" i="0" kern="1200" dirty="0">
+                          <a:solidFill>
+                            <a:schemeClr val="dk1"/>
+                          </a:solidFill>
+                          <a:effectLst/>
+                          <a:latin typeface="+mn-lt"/>
+                          <a:ea typeface="+mn-ea"/>
+                          <a:cs typeface="+mn-cs"/>
+                        </a:rPr>
+                        <a:t>201606374</a:t>
+                      </a:r>
+                      <a:endParaRPr lang="en-US" sz="1000" dirty="0"/>
                     </a:p>
                   </a:txBody>
                   <a:tcPr/>
@@ -14130,7 +14190,19 @@
                     <a:bodyPr/>
                     <a:lstStyle/>
                     <a:p>
-                      <a:endParaRPr lang="en-US" sz="1000"/>
+                      <a:r>
+                        <a:rPr lang="en-US" sz="1000" b="0" i="0" kern="1200" dirty="0">
+                          <a:solidFill>
+                            <a:schemeClr val="dk1"/>
+                          </a:solidFill>
+                          <a:effectLst/>
+                          <a:latin typeface="+mn-lt"/>
+                          <a:ea typeface="+mn-ea"/>
+                          <a:cs typeface="+mn-cs"/>
+                        </a:rPr>
+                        <a:t>au567214 </a:t>
+                      </a:r>
+                      <a:endParaRPr lang="en-US" sz="1000" dirty="0"/>
                     </a:p>
                   </a:txBody>
                   <a:tcPr/>
